--- a/presentation/HappinesProject-vf.pptx
+++ b/presentation/HappinesProject-vf.pptx
@@ -274,7 +274,7 @@
           <a:p>
             <a:fld id="{A94D10D0-F20E-44CA-BC3F-D8E790F7B778}" type="datetimeFigureOut">
               <a:rPr lang="en-US" smtClean="0"/>
-              <a:t>4/25/2019</a:t>
+              <a:t>4/27/2019</a:t>
             </a:fld>
             <a:endParaRPr lang="en-US"/>
           </a:p>
@@ -472,7 +472,7 @@
           <a:p>
             <a:fld id="{A94D10D0-F20E-44CA-BC3F-D8E790F7B778}" type="datetimeFigureOut">
               <a:rPr lang="en-US" smtClean="0"/>
-              <a:t>4/25/2019</a:t>
+              <a:t>4/27/2019</a:t>
             </a:fld>
             <a:endParaRPr lang="en-US"/>
           </a:p>
@@ -680,7 +680,7 @@
           <a:p>
             <a:fld id="{A94D10D0-F20E-44CA-BC3F-D8E790F7B778}" type="datetimeFigureOut">
               <a:rPr lang="en-US" smtClean="0"/>
-              <a:t>4/25/2019</a:t>
+              <a:t>4/27/2019</a:t>
             </a:fld>
             <a:endParaRPr lang="en-US"/>
           </a:p>
@@ -878,7 +878,7 @@
           <a:p>
             <a:fld id="{A94D10D0-F20E-44CA-BC3F-D8E790F7B778}" type="datetimeFigureOut">
               <a:rPr lang="en-US" smtClean="0"/>
-              <a:t>4/25/2019</a:t>
+              <a:t>4/27/2019</a:t>
             </a:fld>
             <a:endParaRPr lang="en-US"/>
           </a:p>
@@ -1153,7 +1153,7 @@
           <a:p>
             <a:fld id="{A94D10D0-F20E-44CA-BC3F-D8E790F7B778}" type="datetimeFigureOut">
               <a:rPr lang="en-US" smtClean="0"/>
-              <a:t>4/25/2019</a:t>
+              <a:t>4/27/2019</a:t>
             </a:fld>
             <a:endParaRPr lang="en-US"/>
           </a:p>
@@ -1418,7 +1418,7 @@
           <a:p>
             <a:fld id="{A94D10D0-F20E-44CA-BC3F-D8E790F7B778}" type="datetimeFigureOut">
               <a:rPr lang="en-US" smtClean="0"/>
-              <a:t>4/25/2019</a:t>
+              <a:t>4/27/2019</a:t>
             </a:fld>
             <a:endParaRPr lang="en-US"/>
           </a:p>
@@ -1830,7 +1830,7 @@
           <a:p>
             <a:fld id="{A94D10D0-F20E-44CA-BC3F-D8E790F7B778}" type="datetimeFigureOut">
               <a:rPr lang="en-US" smtClean="0"/>
-              <a:t>4/25/2019</a:t>
+              <a:t>4/27/2019</a:t>
             </a:fld>
             <a:endParaRPr lang="en-US"/>
           </a:p>
@@ -1971,7 +1971,7 @@
           <a:p>
             <a:fld id="{A94D10D0-F20E-44CA-BC3F-D8E790F7B778}" type="datetimeFigureOut">
               <a:rPr lang="en-US" smtClean="0"/>
-              <a:t>4/25/2019</a:t>
+              <a:t>4/27/2019</a:t>
             </a:fld>
             <a:endParaRPr lang="en-US"/>
           </a:p>
@@ -2084,7 +2084,7 @@
           <a:p>
             <a:fld id="{A94D10D0-F20E-44CA-BC3F-D8E790F7B778}" type="datetimeFigureOut">
               <a:rPr lang="en-US" smtClean="0"/>
-              <a:t>4/25/2019</a:t>
+              <a:t>4/27/2019</a:t>
             </a:fld>
             <a:endParaRPr lang="en-US"/>
           </a:p>
@@ -2395,7 +2395,7 @@
           <a:p>
             <a:fld id="{A94D10D0-F20E-44CA-BC3F-D8E790F7B778}" type="datetimeFigureOut">
               <a:rPr lang="en-US" smtClean="0"/>
-              <a:t>4/25/2019</a:t>
+              <a:t>4/27/2019</a:t>
             </a:fld>
             <a:endParaRPr lang="en-US"/>
           </a:p>
@@ -2683,7 +2683,7 @@
           <a:p>
             <a:fld id="{A94D10D0-F20E-44CA-BC3F-D8E790F7B778}" type="datetimeFigureOut">
               <a:rPr lang="en-US" smtClean="0"/>
-              <a:t>4/25/2019</a:t>
+              <a:t>4/27/2019</a:t>
             </a:fld>
             <a:endParaRPr lang="en-US"/>
           </a:p>
@@ -2924,7 +2924,7 @@
           <a:p>
             <a:fld id="{A94D10D0-F20E-44CA-BC3F-D8E790F7B778}" type="datetimeFigureOut">
               <a:rPr lang="en-US" smtClean="0"/>
-              <a:t>4/25/2019</a:t>
+              <a:t>4/27/2019</a:t>
             </a:fld>
             <a:endParaRPr lang="en-US"/>
           </a:p>
@@ -5637,7 +5637,7 @@
         </p:nvGrpSpPr>
         <p:grpSpPr>
           <a:xfrm rot="512925">
-            <a:off x="7814789" y="3949205"/>
+            <a:off x="8374593" y="2946610"/>
             <a:ext cx="1959908" cy="1461028"/>
             <a:chOff x="7583777" y="1162537"/>
             <a:chExt cx="1959908" cy="1461028"/>
@@ -5857,7 +5857,7 @@
         </p:nvGrpSpPr>
         <p:grpSpPr>
           <a:xfrm>
-            <a:off x="9104544" y="1097808"/>
+            <a:off x="2383466" y="1045414"/>
             <a:ext cx="1104681" cy="1510986"/>
             <a:chOff x="9104544" y="1097808"/>
             <a:chExt cx="1104681" cy="1510986"/>
@@ -6545,7 +6545,7 @@
         </p:nvGrpSpPr>
         <p:grpSpPr>
           <a:xfrm>
-            <a:off x="2528759" y="745864"/>
+            <a:off x="9486279" y="751739"/>
             <a:ext cx="1523328" cy="1322773"/>
             <a:chOff x="3087457" y="910146"/>
             <a:chExt cx="1523328" cy="1322773"/>
